--- a/Dependency Injection.pptx
+++ b/Dependency Injection.pptx
@@ -363,7 +363,7 @@
           <a:p>
             <a:fld id="{4BDF68E2-58F2-4D09-BE8B-E3BD06533059}" type="datetimeFigureOut">
               <a:rPr lang="en-US" dirty="0"/>
-              <a:t>4/15/2015</a:t>
+              <a:t>4/23/2015</a:t>
             </a:fld>
             <a:endParaRPr lang="en-US" dirty="0"/>
           </a:p>
@@ -566,7 +566,7 @@
           <a:p>
             <a:fld id="{2E2D6473-DF6D-4702-B328-E0DD40540A4E}" type="datetimeFigureOut">
               <a:rPr lang="en-US" dirty="0"/>
-              <a:t>4/15/2015</a:t>
+              <a:t>4/23/2015</a:t>
             </a:fld>
             <a:endParaRPr lang="en-US" dirty="0"/>
           </a:p>
@@ -817,7 +817,7 @@
           <a:p>
             <a:fld id="{E26F7E3A-B166-407D-9866-32884E7D5B37}" type="datetimeFigureOut">
               <a:rPr lang="en-US" dirty="0"/>
-              <a:t>4/15/2015</a:t>
+              <a:t>4/23/2015</a:t>
             </a:fld>
             <a:endParaRPr lang="en-US" dirty="0"/>
           </a:p>
@@ -986,7 +986,7 @@
           <a:p>
             <a:fld id="{528FC5F6-F338-4AE4-BB23-26385BCFC423}" type="datetimeFigureOut">
               <a:rPr lang="en-US" dirty="0"/>
-              <a:t>4/15/2015</a:t>
+              <a:t>4/23/2015</a:t>
             </a:fld>
             <a:endParaRPr lang="en-US" dirty="0"/>
           </a:p>
@@ -1324,7 +1324,7 @@
           <a:p>
             <a:fld id="{20EBB0C4-6273-4C6E-B9BD-2EDC30F1CD52}" type="datetimeFigureOut">
               <a:rPr lang="en-US" dirty="0"/>
-              <a:t>4/15/2015</a:t>
+              <a:t>4/23/2015</a:t>
             </a:fld>
             <a:endParaRPr lang="en-US" dirty="0"/>
           </a:p>
@@ -1594,7 +1594,7 @@
           <a:p>
             <a:fld id="{19AB4D41-86C1-4908-B66A-0B50CEB3BF29}" type="datetimeFigureOut">
               <a:rPr lang="en-US" dirty="0"/>
-              <a:t>4/15/2015</a:t>
+              <a:t>4/23/2015</a:t>
             </a:fld>
             <a:endParaRPr lang="en-US" dirty="0"/>
           </a:p>
@@ -1968,7 +1968,7 @@
           <a:p>
             <a:fld id="{E6426E2C-56C1-4E0D-A793-0088A7FDD37E}" type="datetimeFigureOut">
               <a:rPr lang="en-US" dirty="0"/>
-              <a:t>4/15/2015</a:t>
+              <a:t>4/23/2015</a:t>
             </a:fld>
             <a:endParaRPr lang="en-US" dirty="0"/>
           </a:p>
@@ -2081,7 +2081,7 @@
           <a:p>
             <a:fld id="{C8C39B41-D8B5-4052-B551-9B5525EAA8B6}" type="datetimeFigureOut">
               <a:rPr lang="en-US" dirty="0"/>
-              <a:t>4/15/2015</a:t>
+              <a:t>4/23/2015</a:t>
             </a:fld>
             <a:endParaRPr lang="en-US" dirty="0"/>
           </a:p>
@@ -2247,7 +2247,7 @@
           <a:p>
             <a:fld id="{4D94136C-8742-45B2-AF27-D93DF72833A9}" type="datetimeFigureOut">
               <a:rPr lang="en-US" dirty="0"/>
-              <a:t>4/15/2015</a:t>
+              <a:t>4/23/2015</a:t>
             </a:fld>
             <a:endParaRPr lang="en-US" dirty="0"/>
           </a:p>
@@ -2597,7 +2597,7 @@
           <a:p>
             <a:fld id="{32ABBEA6-7C60-4B02-AE87-00D78D8422AF}" type="datetimeFigureOut">
               <a:rPr lang="en-US" dirty="0"/>
-              <a:t>4/15/2015</a:t>
+              <a:t>4/23/2015</a:t>
             </a:fld>
             <a:endParaRPr lang="en-US" dirty="0"/>
           </a:p>
@@ -2975,7 +2975,7 @@
           <a:p>
             <a:fld id="{C9CAD897-D46E-4AD2-BD9B-49DD3E640873}" type="datetimeFigureOut">
               <a:rPr lang="en-US" dirty="0"/>
-              <a:t>4/15/2015</a:t>
+              <a:t>4/23/2015</a:t>
             </a:fld>
             <a:endParaRPr lang="en-US" dirty="0"/>
           </a:p>
@@ -3257,7 +3257,7 @@
           <a:p>
             <a:fld id="{98624D31-43A5-475A-80CF-332C9F6DCF35}" type="datetimeFigureOut">
               <a:rPr lang="en-US" dirty="0"/>
-              <a:t>4/15/2015</a:t>
+              <a:t>4/23/2015</a:t>
             </a:fld>
             <a:endParaRPr lang="en-US" dirty="0"/>
           </a:p>
@@ -10798,11 +10798,7 @@
             </a:r>
             <a:r>
               <a:rPr lang="sv-SE" dirty="0" smtClean="0"/>
-              <a:t> 1996 Bob </a:t>
-            </a:r>
-            <a:r>
-              <a:rPr lang="sv-SE" dirty="0" smtClean="0"/>
-              <a:t>Martin</a:t>
+              <a:t> 1996 Bob Martin</a:t>
             </a:r>
           </a:p>
           <a:p>
@@ -12139,7 +12135,7 @@
         <p:spPr>
           <a:xfrm>
             <a:off x="6224155" y="3096491"/>
-            <a:ext cx="1512722" cy="1754326"/>
+            <a:ext cx="1493870" cy="1477328"/>
           </a:xfrm>
           <a:prstGeom prst="rect">
             <a:avLst/>
@@ -12179,17 +12175,10 @@
           </a:p>
           <a:p>
             <a:r>
-              <a:rPr lang="sv-SE" dirty="0" err="1" smtClean="0"/>
+              <a:rPr lang="sv-SE" smtClean="0"/>
               <a:t>PicoContainer</a:t>
             </a:r>
             <a:endParaRPr lang="sv-SE" dirty="0" smtClean="0"/>
-          </a:p>
-          <a:p>
-            <a:r>
-              <a:rPr lang="sv-SE" dirty="0" err="1" smtClean="0"/>
-              <a:t>Deduplication</a:t>
-            </a:r>
-            <a:endParaRPr lang="sv-SE" dirty="0"/>
           </a:p>
         </p:txBody>
       </p:sp>
@@ -12270,11 +12259,7 @@
           <a:p>
             <a:r>
               <a:rPr lang="sv-SE" dirty="0" smtClean="0"/>
-              <a:t>Castle </a:t>
-            </a:r>
-            <a:r>
-              <a:rPr lang="sv-SE" dirty="0" smtClean="0"/>
-              <a:t>Windsor</a:t>
+              <a:t>Castle Windsor</a:t>
             </a:r>
           </a:p>
           <a:p>
